--- a/docs/diagrams/SDforDeleteTask.pptx
+++ b/docs/diagrams/SDforDeleteTask.pptx
@@ -104,6 +104,11 @@
       </a:defRPr>
     </a:lvl9pPr>
   </p:defaultTextStyle>
+  <p:extLst>
+    <p:ext uri="{EFAFB233-063F-42B5-8137-9DF3F51BA10A}">
+      <p15:sldGuideLst xmlns:p15="http://schemas.microsoft.com/office/powerpoint/2012/main"/>
+    </p:ext>
+  </p:extLst>
 </p:presentation>
 </file>
 
@@ -256,7 +261,7 @@
           <a:p>
             <a:fld id="{FE669CA2-CEDC-46B9-AAB3-F30A5B2682B5}" type="datetimeFigureOut">
               <a:rPr lang="en-IN" smtClean="0"/>
-              <a:t>10-04-2018</a:t>
+              <a:t>15-04-2018</a:t>
             </a:fld>
             <a:endParaRPr lang="en-IN"/>
           </a:p>
@@ -456,7 +461,7 @@
           <a:p>
             <a:fld id="{FE669CA2-CEDC-46B9-AAB3-F30A5B2682B5}" type="datetimeFigureOut">
               <a:rPr lang="en-IN" smtClean="0"/>
-              <a:t>10-04-2018</a:t>
+              <a:t>15-04-2018</a:t>
             </a:fld>
             <a:endParaRPr lang="en-IN"/>
           </a:p>
@@ -666,7 +671,7 @@
           <a:p>
             <a:fld id="{FE669CA2-CEDC-46B9-AAB3-F30A5B2682B5}" type="datetimeFigureOut">
               <a:rPr lang="en-IN" smtClean="0"/>
-              <a:t>10-04-2018</a:t>
+              <a:t>15-04-2018</a:t>
             </a:fld>
             <a:endParaRPr lang="en-IN"/>
           </a:p>
@@ -866,7 +871,7 @@
           <a:p>
             <a:fld id="{FE669CA2-CEDC-46B9-AAB3-F30A5B2682B5}" type="datetimeFigureOut">
               <a:rPr lang="en-IN" smtClean="0"/>
-              <a:t>10-04-2018</a:t>
+              <a:t>15-04-2018</a:t>
             </a:fld>
             <a:endParaRPr lang="en-IN"/>
           </a:p>
@@ -1142,7 +1147,7 @@
           <a:p>
             <a:fld id="{FE669CA2-CEDC-46B9-AAB3-F30A5B2682B5}" type="datetimeFigureOut">
               <a:rPr lang="en-IN" smtClean="0"/>
-              <a:t>10-04-2018</a:t>
+              <a:t>15-04-2018</a:t>
             </a:fld>
             <a:endParaRPr lang="en-IN"/>
           </a:p>
@@ -1410,7 +1415,7 @@
           <a:p>
             <a:fld id="{FE669CA2-CEDC-46B9-AAB3-F30A5B2682B5}" type="datetimeFigureOut">
               <a:rPr lang="en-IN" smtClean="0"/>
-              <a:t>10-04-2018</a:t>
+              <a:t>15-04-2018</a:t>
             </a:fld>
             <a:endParaRPr lang="en-IN"/>
           </a:p>
@@ -1825,7 +1830,7 @@
           <a:p>
             <a:fld id="{FE669CA2-CEDC-46B9-AAB3-F30A5B2682B5}" type="datetimeFigureOut">
               <a:rPr lang="en-IN" smtClean="0"/>
-              <a:t>10-04-2018</a:t>
+              <a:t>15-04-2018</a:t>
             </a:fld>
             <a:endParaRPr lang="en-IN"/>
           </a:p>
@@ -1967,7 +1972,7 @@
           <a:p>
             <a:fld id="{FE669CA2-CEDC-46B9-AAB3-F30A5B2682B5}" type="datetimeFigureOut">
               <a:rPr lang="en-IN" smtClean="0"/>
-              <a:t>10-04-2018</a:t>
+              <a:t>15-04-2018</a:t>
             </a:fld>
             <a:endParaRPr lang="en-IN"/>
           </a:p>
@@ -2080,7 +2085,7 @@
           <a:p>
             <a:fld id="{FE669CA2-CEDC-46B9-AAB3-F30A5B2682B5}" type="datetimeFigureOut">
               <a:rPr lang="en-IN" smtClean="0"/>
-              <a:t>10-04-2018</a:t>
+              <a:t>15-04-2018</a:t>
             </a:fld>
             <a:endParaRPr lang="en-IN"/>
           </a:p>
@@ -2393,7 +2398,7 @@
           <a:p>
             <a:fld id="{FE669CA2-CEDC-46B9-AAB3-F30A5B2682B5}" type="datetimeFigureOut">
               <a:rPr lang="en-IN" smtClean="0"/>
-              <a:t>10-04-2018</a:t>
+              <a:t>15-04-2018</a:t>
             </a:fld>
             <a:endParaRPr lang="en-IN"/>
           </a:p>
@@ -2682,7 +2687,7 @@
           <a:p>
             <a:fld id="{FE669CA2-CEDC-46B9-AAB3-F30A5B2682B5}" type="datetimeFigureOut">
               <a:rPr lang="en-IN" smtClean="0"/>
-              <a:t>10-04-2018</a:t>
+              <a:t>15-04-2018</a:t>
             </a:fld>
             <a:endParaRPr lang="en-IN"/>
           </a:p>
@@ -2925,7 +2930,7 @@
           <a:p>
             <a:fld id="{FE669CA2-CEDC-46B9-AAB3-F30A5B2682B5}" type="datetimeFigureOut">
               <a:rPr lang="en-IN" smtClean="0"/>
-              <a:t>10-04-2018</a:t>
+              <a:t>15-04-2018</a:t>
             </a:fld>
             <a:endParaRPr lang="en-IN"/>
           </a:p>
@@ -4336,53 +4341,6 @@
           </a:p>
         </p:txBody>
       </p:sp>
-      <p:sp>
-        <p:nvSpPr>
-          <p:cNvPr id="24" name="TextBox 23">
-            <a:extLst>
-              <a:ext uri="{FF2B5EF4-FFF2-40B4-BE49-F238E27FC236}">
-                <a16:creationId xmlns:a16="http://schemas.microsoft.com/office/drawing/2014/main" id="{E74F832F-CA95-4913-B639-281504318D11}"/>
-              </a:ext>
-            </a:extLst>
-          </p:cNvPr>
-          <p:cNvSpPr txBox="1"/>
-          <p:nvPr/>
-        </p:nvSpPr>
-        <p:spPr>
-          <a:xfrm>
-            <a:off x="6372969" y="1687656"/>
-            <a:ext cx="2438400" cy="215444"/>
-          </a:xfrm>
-          <a:prstGeom prst="rect">
-            <a:avLst/>
-          </a:prstGeom>
-          <a:noFill/>
-        </p:spPr>
-        <p:txBody>
-          <a:bodyPr wrap="square" lIns="0" tIns="0" rIns="0" bIns="0" rtlCol="0">
-            <a:spAutoFit/>
-          </a:bodyPr>
-          <a:lstStyle/>
-          <a:p>
-            <a:r>
-              <a:rPr lang="en-US" sz="1400" dirty="0" err="1">
-                <a:solidFill>
-                  <a:srgbClr val="DA7B1C"/>
-                </a:solidFill>
-              </a:rPr>
-              <a:t>indicateClubBookChanged</a:t>
-            </a:r>
-            <a:r>
-              <a:rPr lang="en-US" sz="1400" dirty="0">
-                <a:solidFill>
-                  <a:srgbClr val="DA7B1C"/>
-                </a:solidFill>
-              </a:rPr>
-              <a:t>()</a:t>
-            </a:r>
-          </a:p>
-        </p:txBody>
-      </p:sp>
       <p:cxnSp>
         <p:nvCxnSpPr>
           <p:cNvPr id="25" name="Straight Arrow Connector 24">
@@ -4515,12 +4473,102 @@
           </a:fontRef>
         </p:style>
       </p:cxnSp>
-      <p:sp>
-        <p:nvSpPr>
-          <p:cNvPr id="28" name="Rectangle 62">
-            <a:extLst>
-              <a:ext uri="{FF2B5EF4-FFF2-40B4-BE49-F238E27FC236}">
-                <a16:creationId xmlns:a16="http://schemas.microsoft.com/office/drawing/2014/main" id="{CB8CD098-8296-49C8-8C01-77C6BC40FF96}"/>
+      <p:cxnSp>
+        <p:nvCxnSpPr>
+          <p:cNvPr id="33" name="Straight Connector 32">
+            <a:extLst>
+              <a:ext uri="{FF2B5EF4-FFF2-40B4-BE49-F238E27FC236}">
+                <a16:creationId xmlns:a16="http://schemas.microsoft.com/office/drawing/2014/main" id="{B86FF06B-5D33-43DE-A5DF-C58BBFECDFD5}"/>
+              </a:ext>
+            </a:extLst>
+          </p:cNvPr>
+          <p:cNvCxnSpPr/>
+          <p:nvPr/>
+        </p:nvCxnSpPr>
+        <p:spPr>
+          <a:xfrm flipH="1">
+            <a:off x="314394" y="1099672"/>
+            <a:ext cx="24" cy="1598671"/>
+          </a:xfrm>
+          <a:prstGeom prst="line">
+            <a:avLst/>
+          </a:prstGeom>
+          <a:ln w="19050">
+            <a:solidFill>
+              <a:schemeClr val="tx1"/>
+            </a:solidFill>
+            <a:prstDash val="sysDash"/>
+          </a:ln>
+          <a:effectLst/>
+        </p:spPr>
+        <p:style>
+          <a:lnRef idx="1">
+            <a:schemeClr val="accent1"/>
+          </a:lnRef>
+          <a:fillRef idx="2">
+            <a:schemeClr val="accent1"/>
+          </a:fillRef>
+          <a:effectRef idx="1">
+            <a:schemeClr val="accent1"/>
+          </a:effectRef>
+          <a:fontRef idx="minor">
+            <a:schemeClr val="dk1"/>
+          </a:fontRef>
+        </p:style>
+      </p:cxnSp>
+      <p:sp>
+        <p:nvSpPr>
+          <p:cNvPr id="34" name="TextBox 33">
+            <a:extLst>
+              <a:ext uri="{FF2B5EF4-FFF2-40B4-BE49-F238E27FC236}">
+                <a16:creationId xmlns:a16="http://schemas.microsoft.com/office/drawing/2014/main" id="{F11176FC-6A98-467E-B2E9-0E4DF81782D4}"/>
+              </a:ext>
+            </a:extLst>
+          </p:cNvPr>
+          <p:cNvSpPr txBox="1"/>
+          <p:nvPr/>
+        </p:nvSpPr>
+        <p:spPr>
+          <a:xfrm>
+            <a:off x="8286949" y="1345880"/>
+            <a:ext cx="1899342" cy="430887"/>
+          </a:xfrm>
+          <a:prstGeom prst="rect">
+            <a:avLst/>
+          </a:prstGeom>
+          <a:noFill/>
+        </p:spPr>
+        <p:txBody>
+          <a:bodyPr wrap="square" lIns="0" tIns="0" rIns="0" bIns="0" rtlCol="0">
+            <a:spAutoFit/>
+          </a:bodyPr>
+          <a:lstStyle/>
+          <a:p>
+            <a:r>
+              <a:rPr lang="en-US" sz="1400" dirty="0" err="1">
+                <a:solidFill>
+                  <a:srgbClr val="DA7B1C"/>
+                </a:solidFill>
+              </a:rPr>
+              <a:t>handleClubBookChangedEvent</a:t>
+            </a:r>
+            <a:r>
+              <a:rPr lang="en-US" sz="1400" dirty="0">
+                <a:solidFill>
+                  <a:srgbClr val="DA7B1C"/>
+                </a:solidFill>
+              </a:rPr>
+              <a:t>()</a:t>
+            </a:r>
+          </a:p>
+        </p:txBody>
+      </p:sp>
+      <p:sp>
+        <p:nvSpPr>
+          <p:cNvPr id="35" name="Rectangle 62">
+            <a:extLst>
+              <a:ext uri="{FF2B5EF4-FFF2-40B4-BE49-F238E27FC236}">
+                <a16:creationId xmlns:a16="http://schemas.microsoft.com/office/drawing/2014/main" id="{8E4667A7-ADE5-4C1B-92F8-FD2062B40637}"/>
               </a:ext>
             </a:extLst>
           </p:cNvPr>
@@ -4529,7 +4577,7 @@
         </p:nvSpPr>
         <p:spPr>
           <a:xfrm>
-            <a:off x="7696200" y="591251"/>
+            <a:off x="9521706" y="605408"/>
             <a:ext cx="1371600" cy="346760"/>
           </a:xfrm>
           <a:prstGeom prst="rect">
@@ -4580,10 +4628,10 @@
       </p:sp>
       <p:cxnSp>
         <p:nvCxnSpPr>
-          <p:cNvPr id="29" name="Straight Connector 28">
-            <a:extLst>
-              <a:ext uri="{FF2B5EF4-FFF2-40B4-BE49-F238E27FC236}">
-                <a16:creationId xmlns:a16="http://schemas.microsoft.com/office/drawing/2014/main" id="{4799D4C4-DD9A-4593-8EB0-9E984720232B}"/>
+          <p:cNvPr id="36" name="Straight Connector 35">
+            <a:extLst>
+              <a:ext uri="{FF2B5EF4-FFF2-40B4-BE49-F238E27FC236}">
+                <a16:creationId xmlns:a16="http://schemas.microsoft.com/office/drawing/2014/main" id="{53C8183B-83A8-474E-ACB0-7047A080B608}"/>
               </a:ext>
             </a:extLst>
           </p:cNvPr>
@@ -4592,7 +4640,7 @@
         </p:nvCxnSpPr>
         <p:spPr>
           <a:xfrm>
-            <a:off x="8616802" y="944305"/>
+            <a:off x="10207506" y="968468"/>
             <a:ext cx="0" cy="1723059"/>
           </a:xfrm>
           <a:prstGeom prst="line">
@@ -4623,10 +4671,10 @@
       </p:cxnSp>
       <p:sp>
         <p:nvSpPr>
-          <p:cNvPr id="30" name="Rectangle 29">
-            <a:extLst>
-              <a:ext uri="{FF2B5EF4-FFF2-40B4-BE49-F238E27FC236}">
-                <a16:creationId xmlns:a16="http://schemas.microsoft.com/office/drawing/2014/main" id="{48D314E3-59CE-4840-867F-B9026AB6EA5B}"/>
+          <p:cNvPr id="37" name="Rectangle 36">
+            <a:extLst>
+              <a:ext uri="{FF2B5EF4-FFF2-40B4-BE49-F238E27FC236}">
+                <a16:creationId xmlns:a16="http://schemas.microsoft.com/office/drawing/2014/main" id="{A65A6885-73C6-4334-91BD-1E579273FB80}"/>
               </a:ext>
             </a:extLst>
           </p:cNvPr>
@@ -4635,8 +4683,8 @@
         </p:nvSpPr>
         <p:spPr>
           <a:xfrm>
-            <a:off x="8544794" y="1903100"/>
-            <a:ext cx="142006" cy="234889"/>
+            <a:off x="10134493" y="1694968"/>
+            <a:ext cx="144016" cy="310422"/>
           </a:xfrm>
           <a:prstGeom prst="rect">
             <a:avLst/>
@@ -4678,20 +4726,22 @@
       </p:sp>
       <p:cxnSp>
         <p:nvCxnSpPr>
-          <p:cNvPr id="31" name="Straight Arrow Connector 30">
-            <a:extLst>
-              <a:ext uri="{FF2B5EF4-FFF2-40B4-BE49-F238E27FC236}">
-                <a16:creationId xmlns:a16="http://schemas.microsoft.com/office/drawing/2014/main" id="{CD42979C-0443-48F1-A838-B39D25C9D934}"/>
-              </a:ext>
-            </a:extLst>
-          </p:cNvPr>
-          <p:cNvCxnSpPr/>
+          <p:cNvPr id="38" name="Straight Arrow Connector 37">
+            <a:extLst>
+              <a:ext uri="{FF2B5EF4-FFF2-40B4-BE49-F238E27FC236}">
+                <a16:creationId xmlns:a16="http://schemas.microsoft.com/office/drawing/2014/main" id="{C5591383-E768-4AA1-95DA-B237B3AB4F88}"/>
+              </a:ext>
+            </a:extLst>
+          </p:cNvPr>
+          <p:cNvCxnSpPr>
+            <a:cxnSpLocks/>
+          </p:cNvCxnSpPr>
           <p:nvPr/>
         </p:nvCxnSpPr>
         <p:spPr>
           <a:xfrm>
-            <a:off x="5943992" y="1961202"/>
-            <a:ext cx="2568438" cy="0"/>
+            <a:off x="7721798" y="1783292"/>
+            <a:ext cx="2412695" cy="0"/>
           </a:xfrm>
           <a:prstGeom prst="straightConnector1">
             <a:avLst/>
@@ -4720,20 +4770,22 @@
       </p:cxnSp>
       <p:cxnSp>
         <p:nvCxnSpPr>
-          <p:cNvPr id="32" name="Straight Arrow Connector 31">
-            <a:extLst>
-              <a:ext uri="{FF2B5EF4-FFF2-40B4-BE49-F238E27FC236}">
-                <a16:creationId xmlns:a16="http://schemas.microsoft.com/office/drawing/2014/main" id="{ECFD7DB2-C03E-42A1-A9CB-D82E45A93D03}"/>
-              </a:ext>
-            </a:extLst>
-          </p:cNvPr>
-          <p:cNvCxnSpPr/>
+          <p:cNvPr id="39" name="Straight Arrow Connector 38">
+            <a:extLst>
+              <a:ext uri="{FF2B5EF4-FFF2-40B4-BE49-F238E27FC236}">
+                <a16:creationId xmlns:a16="http://schemas.microsoft.com/office/drawing/2014/main" id="{CA441592-C2B6-4823-98E9-AAF75510AD39}"/>
+              </a:ext>
+            </a:extLst>
+          </p:cNvPr>
+          <p:cNvCxnSpPr>
+            <a:cxnSpLocks/>
+          </p:cNvCxnSpPr>
           <p:nvPr/>
         </p:nvCxnSpPr>
         <p:spPr>
           <a:xfrm>
-            <a:off x="5943992" y="2094029"/>
-            <a:ext cx="2549946" cy="0"/>
+            <a:off x="7721798" y="1966484"/>
+            <a:ext cx="2362977" cy="0"/>
           </a:xfrm>
           <a:prstGeom prst="straightConnector1">
             <a:avLst/>
@@ -4762,12 +4814,85 @@
           </a:fontRef>
         </p:style>
       </p:cxnSp>
+      <p:sp>
+        <p:nvSpPr>
+          <p:cNvPr id="40" name="Rectangle 62">
+            <a:extLst>
+              <a:ext uri="{FF2B5EF4-FFF2-40B4-BE49-F238E27FC236}">
+                <a16:creationId xmlns:a16="http://schemas.microsoft.com/office/drawing/2014/main" id="{46A48A53-CBCF-44C7-B4CF-967A5F9B739C}"/>
+              </a:ext>
+            </a:extLst>
+          </p:cNvPr>
+          <p:cNvSpPr/>
+          <p:nvPr/>
+        </p:nvSpPr>
+        <p:spPr>
+          <a:xfrm>
+            <a:off x="7092802" y="607284"/>
+            <a:ext cx="1093635" cy="346760"/>
+          </a:xfrm>
+          <a:prstGeom prst="rect">
+            <a:avLst/>
+          </a:prstGeom>
+          <a:solidFill>
+            <a:srgbClr val="298D97"/>
+          </a:solidFill>
+          <a:ln w="19050">
+            <a:solidFill>
+              <a:srgbClr val="298D97"/>
+            </a:solidFill>
+          </a:ln>
+          <a:effectLst/>
+        </p:spPr>
+        <p:style>
+          <a:lnRef idx="1">
+            <a:schemeClr val="accent2"/>
+          </a:lnRef>
+          <a:fillRef idx="2">
+            <a:schemeClr val="accent2"/>
+          </a:fillRef>
+          <a:effectRef idx="1">
+            <a:schemeClr val="accent2"/>
+          </a:effectRef>
+          <a:fontRef idx="minor">
+            <a:schemeClr val="dk1"/>
+          </a:fontRef>
+        </p:style>
+        <p:txBody>
+          <a:bodyPr rtlCol="0" anchor="ctr"/>
+          <a:lstStyle/>
+          <a:p>
+            <a:pPr algn="ctr"/>
+            <a:r>
+              <a:rPr lang="en-US" sz="1200" dirty="0">
+                <a:solidFill>
+                  <a:schemeClr val="bg1"/>
+                </a:solidFill>
+              </a:rPr>
+              <a:t>:</a:t>
+            </a:r>
+            <a:r>
+              <a:rPr lang="en-US" sz="1200" dirty="0" err="1">
+                <a:solidFill>
+                  <a:schemeClr val="bg1"/>
+                </a:solidFill>
+              </a:rPr>
+              <a:t>EventsCenter</a:t>
+            </a:r>
+            <a:endParaRPr lang="en-SG" sz="1200" dirty="0">
+              <a:solidFill>
+                <a:schemeClr val="bg1"/>
+              </a:solidFill>
+            </a:endParaRPr>
+          </a:p>
+        </p:txBody>
+      </p:sp>
       <p:cxnSp>
         <p:nvCxnSpPr>
-          <p:cNvPr id="33" name="Straight Connector 32">
-            <a:extLst>
-              <a:ext uri="{FF2B5EF4-FFF2-40B4-BE49-F238E27FC236}">
-                <a16:creationId xmlns:a16="http://schemas.microsoft.com/office/drawing/2014/main" id="{B86FF06B-5D33-43DE-A5DF-C58BBFECDFD5}"/>
+          <p:cNvPr id="41" name="Straight Connector 40">
+            <a:extLst>
+              <a:ext uri="{FF2B5EF4-FFF2-40B4-BE49-F238E27FC236}">
+                <a16:creationId xmlns:a16="http://schemas.microsoft.com/office/drawing/2014/main" id="{B6E36214-B5CC-45C4-B4D0-FDBD7D1E6921}"/>
               </a:ext>
             </a:extLst>
           </p:cNvPr>
@@ -4775,16 +4900,16 @@
           <p:nvPr/>
         </p:nvCxnSpPr>
         <p:spPr>
-          <a:xfrm flipH="1">
-            <a:off x="314394" y="1099672"/>
-            <a:ext cx="24" cy="1598671"/>
+          <a:xfrm>
+            <a:off x="7639137" y="980093"/>
+            <a:ext cx="0" cy="1723059"/>
           </a:xfrm>
           <a:prstGeom prst="line">
             <a:avLst/>
           </a:prstGeom>
           <a:ln w="19050">
             <a:solidFill>
-              <a:schemeClr val="tx1"/>
+              <a:srgbClr val="0070C0"/>
             </a:solidFill>
             <a:prstDash val="sysDash"/>
           </a:ln>
@@ -4805,6 +4930,464 @@
           </a:fontRef>
         </p:style>
       </p:cxnSp>
+      <p:sp>
+        <p:nvSpPr>
+          <p:cNvPr id="42" name="Rectangle 41">
+            <a:extLst>
+              <a:ext uri="{FF2B5EF4-FFF2-40B4-BE49-F238E27FC236}">
+                <a16:creationId xmlns:a16="http://schemas.microsoft.com/office/drawing/2014/main" id="{C45F7E74-BD22-47A4-A22E-446269992696}"/>
+              </a:ext>
+            </a:extLst>
+          </p:cNvPr>
+          <p:cNvSpPr/>
+          <p:nvPr/>
+        </p:nvSpPr>
+        <p:spPr>
+          <a:xfrm>
+            <a:off x="7567129" y="1619417"/>
+            <a:ext cx="144016" cy="403557"/>
+          </a:xfrm>
+          <a:prstGeom prst="rect">
+            <a:avLst/>
+          </a:prstGeom>
+          <a:solidFill>
+            <a:srgbClr val="298D97"/>
+          </a:solidFill>
+          <a:ln>
+            <a:solidFill>
+              <a:srgbClr val="0070C0"/>
+            </a:solidFill>
+          </a:ln>
+          <a:effectLst/>
+        </p:spPr>
+        <p:style>
+          <a:lnRef idx="1">
+            <a:schemeClr val="accent3"/>
+          </a:lnRef>
+          <a:fillRef idx="2">
+            <a:schemeClr val="accent3"/>
+          </a:fillRef>
+          <a:effectRef idx="1">
+            <a:schemeClr val="accent3"/>
+          </a:effectRef>
+          <a:fontRef idx="minor">
+            <a:schemeClr val="dk1"/>
+          </a:fontRef>
+        </p:style>
+        <p:txBody>
+          <a:bodyPr rtlCol="0" anchor="ctr"/>
+          <a:lstStyle/>
+          <a:p>
+            <a:pPr algn="ctr"/>
+            <a:endParaRPr lang="en-SG" sz="1400">
+              <a:solidFill>
+                <a:schemeClr val="dk1"/>
+              </a:solidFill>
+            </a:endParaRPr>
+          </a:p>
+        </p:txBody>
+      </p:sp>
+      <p:cxnSp>
+        <p:nvCxnSpPr>
+          <p:cNvPr id="43" name="Straight Arrow Connector 42">
+            <a:extLst>
+              <a:ext uri="{FF2B5EF4-FFF2-40B4-BE49-F238E27FC236}">
+                <a16:creationId xmlns:a16="http://schemas.microsoft.com/office/drawing/2014/main" id="{5CA78835-DDE6-41A9-945F-524B6784F56B}"/>
+              </a:ext>
+            </a:extLst>
+          </p:cNvPr>
+          <p:cNvCxnSpPr>
+            <a:cxnSpLocks/>
+          </p:cNvCxnSpPr>
+          <p:nvPr/>
+        </p:nvCxnSpPr>
+        <p:spPr>
+          <a:xfrm>
+            <a:off x="5933598" y="1645745"/>
+            <a:ext cx="1633531" cy="0"/>
+          </a:xfrm>
+          <a:prstGeom prst="straightConnector1">
+            <a:avLst/>
+          </a:prstGeom>
+          <a:ln w="19050">
+            <a:solidFill>
+              <a:srgbClr val="298D97"/>
+            </a:solidFill>
+            <a:tailEnd type="arrow"/>
+          </a:ln>
+        </p:spPr>
+        <p:style>
+          <a:lnRef idx="1">
+            <a:schemeClr val="accent1"/>
+          </a:lnRef>
+          <a:fillRef idx="0">
+            <a:schemeClr val="accent1"/>
+          </a:fillRef>
+          <a:effectRef idx="0">
+            <a:schemeClr val="accent1"/>
+          </a:effectRef>
+          <a:fontRef idx="minor">
+            <a:schemeClr val="tx1"/>
+          </a:fontRef>
+        </p:style>
+      </p:cxnSp>
+      <p:cxnSp>
+        <p:nvCxnSpPr>
+          <p:cNvPr id="44" name="Straight Arrow Connector 43">
+            <a:extLst>
+              <a:ext uri="{FF2B5EF4-FFF2-40B4-BE49-F238E27FC236}">
+                <a16:creationId xmlns:a16="http://schemas.microsoft.com/office/drawing/2014/main" id="{0ED3EF8A-D0B0-4940-ADC2-2A0C0420F69B}"/>
+              </a:ext>
+            </a:extLst>
+          </p:cNvPr>
+          <p:cNvCxnSpPr>
+            <a:cxnSpLocks/>
+          </p:cNvCxnSpPr>
+          <p:nvPr/>
+        </p:nvCxnSpPr>
+        <p:spPr>
+          <a:xfrm>
+            <a:off x="5933598" y="2022974"/>
+            <a:ext cx="1596785" cy="0"/>
+          </a:xfrm>
+          <a:prstGeom prst="straightConnector1">
+            <a:avLst/>
+          </a:prstGeom>
+          <a:ln w="19050">
+            <a:solidFill>
+              <a:srgbClr val="298D97"/>
+            </a:solidFill>
+            <a:prstDash val="sysDash"/>
+            <a:headEnd type="arrow" w="med" len="med"/>
+            <a:tailEnd type="none" w="med" len="med"/>
+          </a:ln>
+        </p:spPr>
+        <p:style>
+          <a:lnRef idx="1">
+            <a:schemeClr val="accent1"/>
+          </a:lnRef>
+          <a:fillRef idx="0">
+            <a:schemeClr val="accent1"/>
+          </a:fillRef>
+          <a:effectRef idx="0">
+            <a:schemeClr val="accent1"/>
+          </a:effectRef>
+          <a:fontRef idx="minor">
+            <a:schemeClr val="tx1"/>
+          </a:fontRef>
+        </p:style>
+      </p:cxnSp>
+      <p:sp>
+        <p:nvSpPr>
+          <p:cNvPr id="45" name="TextBox 44">
+            <a:extLst>
+              <a:ext uri="{FF2B5EF4-FFF2-40B4-BE49-F238E27FC236}">
+                <a16:creationId xmlns:a16="http://schemas.microsoft.com/office/drawing/2014/main" id="{7B85C0BA-821A-45EF-9305-6C65111C1AEC}"/>
+              </a:ext>
+            </a:extLst>
+          </p:cNvPr>
+          <p:cNvSpPr txBox="1"/>
+          <p:nvPr/>
+        </p:nvSpPr>
+        <p:spPr>
+          <a:xfrm>
+            <a:off x="6329933" y="1205614"/>
+            <a:ext cx="1219200" cy="430887"/>
+          </a:xfrm>
+          <a:prstGeom prst="rect">
+            <a:avLst/>
+          </a:prstGeom>
+          <a:noFill/>
+        </p:spPr>
+        <p:txBody>
+          <a:bodyPr wrap="square" lIns="0" tIns="0" rIns="0" bIns="0" rtlCol="0">
+            <a:spAutoFit/>
+          </a:bodyPr>
+          <a:lstStyle/>
+          <a:p>
+            <a:r>
+              <a:rPr lang="en-US" sz="1400" dirty="0">
+                <a:solidFill>
+                  <a:srgbClr val="298D97"/>
+                </a:solidFill>
+              </a:rPr>
+              <a:t>post(</a:t>
+            </a:r>
+            <a:r>
+              <a:rPr lang="en-US" sz="1400" dirty="0" err="1">
+                <a:solidFill>
+                  <a:srgbClr val="298D97"/>
+                </a:solidFill>
+              </a:rPr>
+              <a:t>ClubBook</a:t>
+            </a:r>
+            <a:endParaRPr lang="en-US" sz="1400" dirty="0">
+              <a:solidFill>
+                <a:srgbClr val="298D97"/>
+              </a:solidFill>
+            </a:endParaRPr>
+          </a:p>
+          <a:p>
+            <a:r>
+              <a:rPr lang="en-US" sz="1400" dirty="0" err="1">
+                <a:solidFill>
+                  <a:srgbClr val="298D97"/>
+                </a:solidFill>
+              </a:rPr>
+              <a:t>ChangedEvent</a:t>
+            </a:r>
+            <a:r>
+              <a:rPr lang="en-US" sz="1400" dirty="0">
+                <a:solidFill>
+                  <a:srgbClr val="298D97"/>
+                </a:solidFill>
+              </a:rPr>
+              <a:t>)</a:t>
+            </a:r>
+          </a:p>
+        </p:txBody>
+      </p:sp>
+      <p:sp>
+        <p:nvSpPr>
+          <p:cNvPr id="46" name="Rectangle 45">
+            <a:extLst>
+              <a:ext uri="{FF2B5EF4-FFF2-40B4-BE49-F238E27FC236}">
+                <a16:creationId xmlns:a16="http://schemas.microsoft.com/office/drawing/2014/main" id="{F36AAAE4-68DA-47CA-AD3B-CA8BACCA8742}"/>
+              </a:ext>
+            </a:extLst>
+          </p:cNvPr>
+          <p:cNvSpPr/>
+          <p:nvPr/>
+        </p:nvSpPr>
+        <p:spPr>
+          <a:xfrm>
+            <a:off x="10269012" y="1757801"/>
+            <a:ext cx="80498" cy="189639"/>
+          </a:xfrm>
+          <a:prstGeom prst="rect">
+            <a:avLst/>
+          </a:prstGeom>
+          <a:solidFill>
+            <a:srgbClr val="DA7B1C"/>
+          </a:solidFill>
+          <a:ln>
+            <a:noFill/>
+          </a:ln>
+          <a:effectLst/>
+        </p:spPr>
+        <p:style>
+          <a:lnRef idx="1">
+            <a:schemeClr val="accent3"/>
+          </a:lnRef>
+          <a:fillRef idx="2">
+            <a:schemeClr val="accent3"/>
+          </a:fillRef>
+          <a:effectRef idx="1">
+            <a:schemeClr val="accent3"/>
+          </a:effectRef>
+          <a:fontRef idx="minor">
+            <a:schemeClr val="dk1"/>
+          </a:fontRef>
+        </p:style>
+        <p:txBody>
+          <a:bodyPr rtlCol="0" anchor="ctr"/>
+          <a:lstStyle/>
+          <a:p>
+            <a:pPr algn="ctr"/>
+            <a:endParaRPr lang="en-SG" sz="1400">
+              <a:solidFill>
+                <a:schemeClr val="dk1"/>
+              </a:solidFill>
+            </a:endParaRPr>
+          </a:p>
+        </p:txBody>
+      </p:sp>
+      <p:grpSp>
+        <p:nvGrpSpPr>
+          <p:cNvPr id="47" name="Group 46">
+            <a:extLst>
+              <a:ext uri="{FF2B5EF4-FFF2-40B4-BE49-F238E27FC236}">
+                <a16:creationId xmlns:a16="http://schemas.microsoft.com/office/drawing/2014/main" id="{151DBF45-B65E-41A4-BD62-B27D259A5013}"/>
+              </a:ext>
+            </a:extLst>
+          </p:cNvPr>
+          <p:cNvGrpSpPr/>
+          <p:nvPr/>
+        </p:nvGrpSpPr>
+        <p:grpSpPr>
+          <a:xfrm>
+            <a:off x="10276735" y="1739672"/>
+            <a:ext cx="239125" cy="139064"/>
+            <a:chOff x="10276735" y="1739672"/>
+            <a:chExt cx="239125" cy="139064"/>
+          </a:xfrm>
+        </p:grpSpPr>
+        <p:cxnSp>
+          <p:nvCxnSpPr>
+            <p:cNvPr id="48" name="Straight Connector 47">
+              <a:extLst>
+                <a:ext uri="{FF2B5EF4-FFF2-40B4-BE49-F238E27FC236}">
+                  <a16:creationId xmlns:a16="http://schemas.microsoft.com/office/drawing/2014/main" id="{B9B9ED32-85B0-4B4A-8E1F-529380CDAB7C}"/>
+                </a:ext>
+              </a:extLst>
+            </p:cNvPr>
+            <p:cNvCxnSpPr>
+              <a:cxnSpLocks/>
+            </p:cNvCxnSpPr>
+            <p:nvPr/>
+          </p:nvCxnSpPr>
+          <p:spPr>
+            <a:xfrm>
+              <a:off x="10276735" y="1739672"/>
+              <a:ext cx="239125" cy="0"/>
+            </a:xfrm>
+            <a:prstGeom prst="line">
+              <a:avLst/>
+            </a:prstGeom>
+            <a:ln/>
+          </p:spPr>
+          <p:style>
+            <a:lnRef idx="1">
+              <a:schemeClr val="accent2"/>
+            </a:lnRef>
+            <a:fillRef idx="0">
+              <a:schemeClr val="accent2"/>
+            </a:fillRef>
+            <a:effectRef idx="0">
+              <a:schemeClr val="accent2"/>
+            </a:effectRef>
+            <a:fontRef idx="minor">
+              <a:schemeClr val="tx1"/>
+            </a:fontRef>
+          </p:style>
+        </p:cxnSp>
+        <p:cxnSp>
+          <p:nvCxnSpPr>
+            <p:cNvPr id="49" name="Straight Connector 48">
+              <a:extLst>
+                <a:ext uri="{FF2B5EF4-FFF2-40B4-BE49-F238E27FC236}">
+                  <a16:creationId xmlns:a16="http://schemas.microsoft.com/office/drawing/2014/main" id="{929CDACE-A366-4C7C-8EFD-6BEAA860702F}"/>
+                </a:ext>
+              </a:extLst>
+            </p:cNvPr>
+            <p:cNvCxnSpPr>
+              <a:cxnSpLocks/>
+            </p:cNvCxnSpPr>
+            <p:nvPr/>
+          </p:nvCxnSpPr>
+          <p:spPr>
+            <a:xfrm>
+              <a:off x="10515860" y="1739672"/>
+              <a:ext cx="0" cy="131736"/>
+            </a:xfrm>
+            <a:prstGeom prst="line">
+              <a:avLst/>
+            </a:prstGeom>
+          </p:spPr>
+          <p:style>
+            <a:lnRef idx="1">
+              <a:schemeClr val="accent2"/>
+            </a:lnRef>
+            <a:fillRef idx="0">
+              <a:schemeClr val="accent2"/>
+            </a:fillRef>
+            <a:effectRef idx="0">
+              <a:schemeClr val="accent2"/>
+            </a:effectRef>
+            <a:fontRef idx="minor">
+              <a:schemeClr val="tx1"/>
+            </a:fontRef>
+          </p:style>
+        </p:cxnSp>
+        <p:cxnSp>
+          <p:nvCxnSpPr>
+            <p:cNvPr id="50" name="Straight Arrow Connector 49">
+              <a:extLst>
+                <a:ext uri="{FF2B5EF4-FFF2-40B4-BE49-F238E27FC236}">
+                  <a16:creationId xmlns:a16="http://schemas.microsoft.com/office/drawing/2014/main" id="{9D477C5B-6D91-4596-A93E-BE06DEE04686}"/>
+                </a:ext>
+              </a:extLst>
+            </p:cNvPr>
+            <p:cNvCxnSpPr/>
+            <p:nvPr/>
+          </p:nvCxnSpPr>
+          <p:spPr>
+            <a:xfrm flipH="1">
+              <a:off x="10340014" y="1878736"/>
+              <a:ext cx="175846" cy="0"/>
+            </a:xfrm>
+            <a:prstGeom prst="straightConnector1">
+              <a:avLst/>
+            </a:prstGeom>
+            <a:ln>
+              <a:tailEnd type="triangle"/>
+            </a:ln>
+          </p:spPr>
+          <p:style>
+            <a:lnRef idx="1">
+              <a:schemeClr val="accent2"/>
+            </a:lnRef>
+            <a:fillRef idx="0">
+              <a:schemeClr val="accent2"/>
+            </a:fillRef>
+            <a:effectRef idx="0">
+              <a:schemeClr val="accent2"/>
+            </a:effectRef>
+            <a:fontRef idx="minor">
+              <a:schemeClr val="tx1"/>
+            </a:fontRef>
+          </p:style>
+        </p:cxnSp>
+      </p:grpSp>
+      <p:sp>
+        <p:nvSpPr>
+          <p:cNvPr id="51" name="TextBox 50">
+            <a:extLst>
+              <a:ext uri="{FF2B5EF4-FFF2-40B4-BE49-F238E27FC236}">
+                <a16:creationId xmlns:a16="http://schemas.microsoft.com/office/drawing/2014/main" id="{302D73AB-4DB5-4420-929D-372B70B1B2E3}"/>
+              </a:ext>
+            </a:extLst>
+          </p:cNvPr>
+          <p:cNvSpPr txBox="1"/>
+          <p:nvPr/>
+        </p:nvSpPr>
+        <p:spPr>
+          <a:xfrm>
+            <a:off x="10565217" y="1592087"/>
+            <a:ext cx="535002" cy="430887"/>
+          </a:xfrm>
+          <a:prstGeom prst="rect">
+            <a:avLst/>
+          </a:prstGeom>
+          <a:noFill/>
+        </p:spPr>
+        <p:txBody>
+          <a:bodyPr wrap="square" lIns="0" tIns="0" rIns="0" bIns="0" rtlCol="0">
+            <a:spAutoFit/>
+          </a:bodyPr>
+          <a:lstStyle/>
+          <a:p>
+            <a:r>
+              <a:rPr lang="en-US" sz="1400" dirty="0">
+                <a:solidFill>
+                  <a:srgbClr val="DA7B1C"/>
+                </a:solidFill>
+              </a:rPr>
+              <a:t>Save </a:t>
+            </a:r>
+          </a:p>
+          <a:p>
+            <a:r>
+              <a:rPr lang="en-US" sz="1400" dirty="0">
+                <a:solidFill>
+                  <a:srgbClr val="DA7B1C"/>
+                </a:solidFill>
+              </a:rPr>
+              <a:t>To File</a:t>
+            </a:r>
+          </a:p>
+        </p:txBody>
+      </p:sp>
     </p:spTree>
     <p:extLst>
       <p:ext uri="{BB962C8B-B14F-4D97-AF65-F5344CB8AC3E}">
